--- a/Project 3 The Impact of Covid 19 (3) (2).pptx
+++ b/Project 3 The Impact of Covid 19 (3) (2).pptx
@@ -5,7 +5,7 @@
     <p:sldMasterId id="2147483648" r:id="rId1"/>
   </p:sldMasterIdLst>
   <p:notesMasterIdLst>
-    <p:notesMasterId r:id="rId17"/>
+    <p:notesMasterId r:id="rId18"/>
   </p:notesMasterIdLst>
   <p:sldIdLst>
     <p:sldId id="256" r:id="rId2"/>
@@ -15,14 +15,15 @@
     <p:sldId id="258" r:id="rId6"/>
     <p:sldId id="270" r:id="rId7"/>
     <p:sldId id="259" r:id="rId8"/>
-    <p:sldId id="260" r:id="rId9"/>
-    <p:sldId id="266" r:id="rId10"/>
-    <p:sldId id="267" r:id="rId11"/>
-    <p:sldId id="261" r:id="rId12"/>
-    <p:sldId id="262" r:id="rId13"/>
-    <p:sldId id="263" r:id="rId14"/>
-    <p:sldId id="264" r:id="rId15"/>
-    <p:sldId id="265" r:id="rId16"/>
+    <p:sldId id="271" r:id="rId9"/>
+    <p:sldId id="260" r:id="rId10"/>
+    <p:sldId id="266" r:id="rId11"/>
+    <p:sldId id="267" r:id="rId12"/>
+    <p:sldId id="261" r:id="rId13"/>
+    <p:sldId id="262" r:id="rId14"/>
+    <p:sldId id="263" r:id="rId15"/>
+    <p:sldId id="264" r:id="rId16"/>
+    <p:sldId id="265" r:id="rId17"/>
   </p:sldIdLst>
   <p:sldSz cx="12192000" cy="6858000"/>
   <p:notesSz cx="6858000" cy="9144000"/>
@@ -10503,15 +10504,6 @@
           <a:bodyPr/>
           <a:lstStyle/>
           <a:p>
-            <a:r>
-              <a:rPr lang="en-US" dirty="0"/>
-              <a:t>Inshirah – will review map</a:t>
-            </a:r>
-          </a:p>
-          <a:p>
-            <a:endParaRPr lang="en-US" dirty="0"/>
-          </a:p>
-          <a:p>
             <a:endParaRPr lang="en-US" dirty="0"/>
           </a:p>
         </p:txBody>
@@ -10533,7 +10525,7 @@
           <a:p>
             <a:fld id="{50C91A78-D471-47DF-B1AA-EF7E4202E771}" type="slidenum">
               <a:rPr lang="en-US" smtClean="0"/>
-              <a:t>9</a:t>
+              <a:t>8</a:t>
             </a:fld>
             <a:endParaRPr lang="en-US"/>
           </a:p>
@@ -10542,7 +10534,7 @@
     </p:spTree>
     <p:extLst>
       <p:ext uri="{BB962C8B-B14F-4D97-AF65-F5344CB8AC3E}">
-        <p14:creationId xmlns:p14="http://schemas.microsoft.com/office/powerpoint/2010/main" val="824322861"/>
+        <p14:creationId xmlns:p14="http://schemas.microsoft.com/office/powerpoint/2010/main" val="1040767497"/>
       </p:ext>
     </p:extLst>
   </p:cSld>
@@ -10596,20 +10588,15 @@
           <a:bodyPr/>
           <a:lstStyle/>
           <a:p>
-            <a:pPr marL="342900" marR="0" lvl="0" indent="-342900">
-              <a:lnSpc>
-                <a:spcPct val="115000"/>
-              </a:lnSpc>
-              <a:spcAft>
-                <a:spcPts val="800"/>
-              </a:spcAft>
-              <a:buSzPts val="1000"/>
-              <a:buFont typeface="Symbol" panose="05050102010706020507" pitchFamily="18" charset="2"/>
-              <a:buChar char=""/>
-              <a:tabLst>
-                <a:tab pos="457200" algn="l"/>
-              </a:tabLst>
-            </a:pPr>
+            <a:r>
+              <a:rPr lang="en-US" dirty="0"/>
+              <a:t>Inshirah – will review map</a:t>
+            </a:r>
+          </a:p>
+          <a:p>
+            <a:endParaRPr lang="en-US" dirty="0"/>
+          </a:p>
+          <a:p>
             <a:endParaRPr lang="en-US" dirty="0"/>
           </a:p>
         </p:txBody>
@@ -10632,6 +10619,104 @@
             <a:fld id="{50C91A78-D471-47DF-B1AA-EF7E4202E771}" type="slidenum">
               <a:rPr lang="en-US" smtClean="0"/>
               <a:t>10</a:t>
+            </a:fld>
+            <a:endParaRPr lang="en-US"/>
+          </a:p>
+        </p:txBody>
+      </p:sp>
+    </p:spTree>
+    <p:extLst>
+      <p:ext uri="{BB962C8B-B14F-4D97-AF65-F5344CB8AC3E}">
+        <p14:creationId xmlns:p14="http://schemas.microsoft.com/office/powerpoint/2010/main" val="824322861"/>
+      </p:ext>
+    </p:extLst>
+  </p:cSld>
+  <p:clrMapOvr>
+    <a:masterClrMapping/>
+  </p:clrMapOvr>
+</p:notes>
+</file>
+
+<file path=ppt/notesSlides/notesSlide4.xml><?xml version="1.0" encoding="utf-8"?>
+<p:notes xmlns:a="http://schemas.openxmlformats.org/drawingml/2006/main" xmlns:r="http://schemas.openxmlformats.org/officeDocument/2006/relationships" xmlns:p="http://schemas.openxmlformats.org/presentationml/2006/main">
+  <p:cSld>
+    <p:spTree>
+      <p:nvGrpSpPr>
+        <p:cNvPr id="1" name=""/>
+        <p:cNvGrpSpPr/>
+        <p:nvPr/>
+      </p:nvGrpSpPr>
+      <p:grpSpPr>
+        <a:xfrm>
+          <a:off x="0" y="0"/>
+          <a:ext cx="0" cy="0"/>
+          <a:chOff x="0" y="0"/>
+          <a:chExt cx="0" cy="0"/>
+        </a:xfrm>
+      </p:grpSpPr>
+      <p:sp>
+        <p:nvSpPr>
+          <p:cNvPr id="2" name="Slide Image Placeholder 1"/>
+          <p:cNvSpPr>
+            <a:spLocks noGrp="1" noRot="1" noChangeAspect="1"/>
+          </p:cNvSpPr>
+          <p:nvPr>
+            <p:ph type="sldImg"/>
+          </p:nvPr>
+        </p:nvSpPr>
+        <p:spPr/>
+      </p:sp>
+      <p:sp>
+        <p:nvSpPr>
+          <p:cNvPr id="3" name="Notes Placeholder 2"/>
+          <p:cNvSpPr>
+            <a:spLocks noGrp="1"/>
+          </p:cNvSpPr>
+          <p:nvPr>
+            <p:ph type="body" idx="1"/>
+          </p:nvPr>
+        </p:nvSpPr>
+        <p:spPr/>
+        <p:txBody>
+          <a:bodyPr/>
+          <a:lstStyle/>
+          <a:p>
+            <a:pPr marL="342900" marR="0" lvl="0" indent="-342900">
+              <a:lnSpc>
+                <a:spcPct val="115000"/>
+              </a:lnSpc>
+              <a:spcAft>
+                <a:spcPts val="800"/>
+              </a:spcAft>
+              <a:buSzPts val="1000"/>
+              <a:buFont typeface="Symbol" panose="05050102010706020507" pitchFamily="18" charset="2"/>
+              <a:buChar char=""/>
+              <a:tabLst>
+                <a:tab pos="457200" algn="l"/>
+              </a:tabLst>
+            </a:pPr>
+            <a:endParaRPr lang="en-US" dirty="0"/>
+          </a:p>
+        </p:txBody>
+      </p:sp>
+      <p:sp>
+        <p:nvSpPr>
+          <p:cNvPr id="4" name="Slide Number Placeholder 3"/>
+          <p:cNvSpPr>
+            <a:spLocks noGrp="1"/>
+          </p:cNvSpPr>
+          <p:nvPr>
+            <p:ph type="sldNum" sz="quarter" idx="5"/>
+          </p:nvPr>
+        </p:nvSpPr>
+        <p:spPr/>
+        <p:txBody>
+          <a:bodyPr/>
+          <a:lstStyle/>
+          <a:p>
+            <a:fld id="{50C91A78-D471-47DF-B1AA-EF7E4202E771}" type="slidenum">
+              <a:rPr lang="en-US" smtClean="0"/>
+              <a:t>11</a:t>
             </a:fld>
             <a:endParaRPr lang="en-US"/>
           </a:p>
@@ -16406,6 +16491,128 @@
           <a:chExt cx="0" cy="0"/>
         </a:xfrm>
       </p:grpSpPr>
+      <p:sp>
+        <p:nvSpPr>
+          <p:cNvPr id="2" name="Title 1">
+            <a:extLst>
+              <a:ext uri="{FF2B5EF4-FFF2-40B4-BE49-F238E27FC236}">
+                <a16:creationId xmlns:a16="http://schemas.microsoft.com/office/drawing/2014/main" id="{8C239A8F-C19B-3165-8A1A-D601B34DAA40}"/>
+              </a:ext>
+            </a:extLst>
+          </p:cNvPr>
+          <p:cNvSpPr>
+            <a:spLocks noGrp="1"/>
+          </p:cNvSpPr>
+          <p:nvPr>
+            <p:ph type="title"/>
+          </p:nvPr>
+        </p:nvSpPr>
+        <p:spPr/>
+        <p:txBody>
+          <a:bodyPr/>
+          <a:lstStyle/>
+          <a:p>
+            <a:r>
+              <a:rPr lang="en-US" dirty="0"/>
+              <a:t>Geographic Analysis Visual</a:t>
+            </a:r>
+          </a:p>
+        </p:txBody>
+      </p:sp>
+      <p:sp>
+        <p:nvSpPr>
+          <p:cNvPr id="3" name="Content Placeholder 2">
+            <a:extLst>
+              <a:ext uri="{FF2B5EF4-FFF2-40B4-BE49-F238E27FC236}">
+                <a16:creationId xmlns:a16="http://schemas.microsoft.com/office/drawing/2014/main" id="{C0E4DE4C-29EB-D2D9-8862-D945C8FF8B03}"/>
+              </a:ext>
+            </a:extLst>
+          </p:cNvPr>
+          <p:cNvSpPr>
+            <a:spLocks noGrp="1"/>
+          </p:cNvSpPr>
+          <p:nvPr>
+            <p:ph idx="1"/>
+          </p:nvPr>
+        </p:nvSpPr>
+        <p:spPr/>
+        <p:txBody>
+          <a:bodyPr/>
+          <a:lstStyle/>
+          <a:p>
+            <a:r>
+              <a:rPr lang="en-US" dirty="0">
+                <a:hlinkClick r:id="rId3"/>
+              </a:rPr>
+              <a:t>http://localhost:8963/lab/tree/OneDrive/Documents/interactive_map.html</a:t>
+            </a:r>
+            <a:endParaRPr lang="en-US" dirty="0"/>
+          </a:p>
+          <a:p>
+            <a:endParaRPr lang="en-US" dirty="0"/>
+          </a:p>
+        </p:txBody>
+      </p:sp>
+      <p:pic>
+        <p:nvPicPr>
+          <p:cNvPr id="5" name="Picture 4">
+            <a:extLst>
+              <a:ext uri="{FF2B5EF4-FFF2-40B4-BE49-F238E27FC236}">
+                <a16:creationId xmlns:a16="http://schemas.microsoft.com/office/drawing/2014/main" id="{7BEDE97B-C707-4276-6FB5-F17F9929786C}"/>
+              </a:ext>
+            </a:extLst>
+          </p:cNvPr>
+          <p:cNvPicPr>
+            <a:picLocks noChangeAspect="1"/>
+          </p:cNvPicPr>
+          <p:nvPr/>
+        </p:nvPicPr>
+        <p:blipFill>
+          <a:blip r:embed="rId4"/>
+          <a:stretch>
+            <a:fillRect/>
+          </a:stretch>
+        </p:blipFill>
+        <p:spPr>
+          <a:xfrm>
+            <a:off x="1167318" y="2643271"/>
+            <a:ext cx="6488349" cy="3856518"/>
+          </a:xfrm>
+          <a:prstGeom prst="rect">
+            <a:avLst/>
+          </a:prstGeom>
+        </p:spPr>
+      </p:pic>
+    </p:spTree>
+    <p:extLst>
+      <p:ext uri="{BB962C8B-B14F-4D97-AF65-F5344CB8AC3E}">
+        <p14:creationId xmlns:p14="http://schemas.microsoft.com/office/powerpoint/2010/main" val="969447734"/>
+      </p:ext>
+    </p:extLst>
+  </p:cSld>
+  <p:clrMapOvr>
+    <a:masterClrMapping/>
+  </p:clrMapOvr>
+</p:sld>
+</file>
+
+<file path=ppt/slides/slide11.xml><?xml version="1.0" encoding="utf-8"?>
+<p:sld xmlns:a="http://schemas.openxmlformats.org/drawingml/2006/main" xmlns:r="http://schemas.openxmlformats.org/officeDocument/2006/relationships" xmlns:p="http://schemas.openxmlformats.org/presentationml/2006/main">
+  <p:cSld>
+    <p:spTree>
+      <p:nvGrpSpPr>
+        <p:cNvPr id="1" name=""/>
+        <p:cNvGrpSpPr/>
+        <p:nvPr/>
+      </p:nvGrpSpPr>
+      <p:grpSpPr>
+        <a:xfrm>
+          <a:off x="0" y="0"/>
+          <a:ext cx="0" cy="0"/>
+          <a:chOff x="0" y="0"/>
+          <a:chExt cx="0" cy="0"/>
+        </a:xfrm>
+      </p:grpSpPr>
       <p:pic>
         <p:nvPicPr>
           <p:cNvPr id="11" name="Picture 10">
@@ -16479,7 +16686,7 @@
 </p:sld>
 </file>
 
-<file path=ppt/slides/slide11.xml><?xml version="1.0" encoding="utf-8"?>
+<file path=ppt/slides/slide12.xml><?xml version="1.0" encoding="utf-8"?>
 <p:sld xmlns:a="http://schemas.openxmlformats.org/drawingml/2006/main" xmlns:r="http://schemas.openxmlformats.org/officeDocument/2006/relationships" xmlns:p="http://schemas.openxmlformats.org/presentationml/2006/main">
   <p:cSld>
     <p:spTree>
@@ -16560,111 +16767,6 @@
 </p:sld>
 </file>
 
-<file path=ppt/slides/slide12.xml><?xml version="1.0" encoding="utf-8"?>
-<p:sld xmlns:a="http://schemas.openxmlformats.org/drawingml/2006/main" xmlns:r="http://schemas.openxmlformats.org/officeDocument/2006/relationships" xmlns:p="http://schemas.openxmlformats.org/presentationml/2006/main">
-  <p:cSld>
-    <p:spTree>
-      <p:nvGrpSpPr>
-        <p:cNvPr id="1" name=""/>
-        <p:cNvGrpSpPr/>
-        <p:nvPr/>
-      </p:nvGrpSpPr>
-      <p:grpSpPr>
-        <a:xfrm>
-          <a:off x="0" y="0"/>
-          <a:ext cx="0" cy="0"/>
-          <a:chOff x="0" y="0"/>
-          <a:chExt cx="0" cy="0"/>
-        </a:xfrm>
-      </p:grpSpPr>
-      <p:sp>
-        <p:nvSpPr>
-          <p:cNvPr id="2" name="Title 1"/>
-          <p:cNvSpPr>
-            <a:spLocks noGrp="1"/>
-          </p:cNvSpPr>
-          <p:nvPr>
-            <p:ph type="title"/>
-          </p:nvPr>
-        </p:nvSpPr>
-        <p:spPr/>
-        <p:txBody>
-          <a:bodyPr/>
-          <a:lstStyle/>
-          <a:p>
-            <a:r>
-              <a:rPr lang="en-US" dirty="0"/>
-              <a:t>Demographic Insights:</a:t>
-            </a:r>
-          </a:p>
-        </p:txBody>
-      </p:sp>
-      <p:sp>
-        <p:nvSpPr>
-          <p:cNvPr id="3" name="Content Placeholder 2"/>
-          <p:cNvSpPr>
-            <a:spLocks noGrp="1"/>
-          </p:cNvSpPr>
-          <p:nvPr>
-            <p:ph idx="1"/>
-          </p:nvPr>
-        </p:nvSpPr>
-        <p:spPr/>
-        <p:txBody>
-          <a:bodyPr/>
-          <a:lstStyle/>
-          <a:p>
-            <a:r>
-              <a:rPr lang="en-US" dirty="0"/>
-              <a:t>1. Were certain of the various demographic groups have disproportionately been affected by overdose deaths post-COVID such as.</a:t>
-            </a:r>
-          </a:p>
-          <a:p>
-            <a:endParaRPr lang="en-US" dirty="0"/>
-          </a:p>
-          <a:p>
-            <a:endParaRPr lang="en-US" dirty="0"/>
-          </a:p>
-          <a:p>
-            <a:r>
-              <a:rPr lang="en-US" dirty="0"/>
-              <a:t>2.Releating how these changes compare to pre-COVID trends.</a:t>
-            </a:r>
-          </a:p>
-          <a:p>
-            <a:pPr>
-              <a:buFont typeface="Wingdings" panose="05000000000000000000" pitchFamily="2" charset="2"/>
-              <a:buChar char="§"/>
-            </a:pPr>
-            <a:endParaRPr lang="en-US" dirty="0"/>
-          </a:p>
-          <a:p>
-            <a:pPr marL="0" indent="0">
-              <a:buNone/>
-            </a:pPr>
-            <a:endParaRPr lang="en-US" dirty="0"/>
-          </a:p>
-          <a:p>
-            <a:endParaRPr lang="en-US" dirty="0"/>
-          </a:p>
-          <a:p>
-            <a:endParaRPr lang="en-US" dirty="0"/>
-          </a:p>
-        </p:txBody>
-      </p:sp>
-    </p:spTree>
-    <p:extLst>
-      <p:ext uri="{BB962C8B-B14F-4D97-AF65-F5344CB8AC3E}">
-        <p14:creationId xmlns:p14="http://schemas.microsoft.com/office/powerpoint/2010/main" val="1404142582"/>
-      </p:ext>
-    </p:extLst>
-  </p:cSld>
-  <p:clrMapOvr>
-    <a:masterClrMapping/>
-  </p:clrMapOvr>
-</p:sld>
-</file>
-
 <file path=ppt/slides/slide13.xml><?xml version="1.0" encoding="utf-8"?>
 <p:sld xmlns:a="http://schemas.openxmlformats.org/drawingml/2006/main" xmlns:r="http://schemas.openxmlformats.org/officeDocument/2006/relationships" xmlns:p="http://schemas.openxmlformats.org/presentationml/2006/main">
   <p:cSld>
@@ -16699,7 +16801,7 @@
           <a:p>
             <a:r>
               <a:rPr lang="en-US" dirty="0"/>
-              <a:t>Substance-Specific Trends:</a:t>
+              <a:t>Demographic Insights:</a:t>
             </a:r>
           </a:p>
         </p:txBody>
@@ -16721,7 +16823,7 @@
           <a:p>
             <a:r>
               <a:rPr lang="en-US" dirty="0"/>
-              <a:t>Here we disclosed the data to showing if the substances involved in overdose deaths shift during the pandemic.</a:t>
+              <a:t>1. Were certain of the various demographic groups have disproportionately been affected by overdose deaths post-COVID such as.</a:t>
             </a:r>
           </a:p>
           <a:p>
@@ -16733,15 +16835,34 @@
           <a:p>
             <a:r>
               <a:rPr lang="en-US" dirty="0"/>
-              <a:t>If so the synthetic drugs, such as fentanyl, play in post –COVID overdose rates.</a:t>
+              <a:t>2.Releating how these changes compare to pre-COVID trends.</a:t>
             </a:r>
+          </a:p>
+          <a:p>
+            <a:pPr>
+              <a:buFont typeface="Wingdings" panose="05000000000000000000" pitchFamily="2" charset="2"/>
+              <a:buChar char="§"/>
+            </a:pPr>
+            <a:endParaRPr lang="en-US" dirty="0"/>
+          </a:p>
+          <a:p>
+            <a:pPr marL="0" indent="0">
+              <a:buNone/>
+            </a:pPr>
+            <a:endParaRPr lang="en-US" dirty="0"/>
+          </a:p>
+          <a:p>
+            <a:endParaRPr lang="en-US" dirty="0"/>
+          </a:p>
+          <a:p>
+            <a:endParaRPr lang="en-US" dirty="0"/>
           </a:p>
         </p:txBody>
       </p:sp>
     </p:spTree>
     <p:extLst>
       <p:ext uri="{BB962C8B-B14F-4D97-AF65-F5344CB8AC3E}">
-        <p14:creationId xmlns:p14="http://schemas.microsoft.com/office/powerpoint/2010/main" val="3242618254"/>
+        <p14:creationId xmlns:p14="http://schemas.microsoft.com/office/powerpoint/2010/main" val="1404142582"/>
       </p:ext>
     </p:extLst>
   </p:cSld>
@@ -16785,7 +16906,7 @@
           <a:p>
             <a:r>
               <a:rPr lang="en-US" dirty="0"/>
-              <a:t>Correlations with Pandemic Factors:</a:t>
+              <a:t>Substance-Specific Trends:</a:t>
             </a:r>
           </a:p>
         </p:txBody>
@@ -16807,6 +16928,92 @@
           <a:p>
             <a:r>
               <a:rPr lang="en-US" dirty="0"/>
+              <a:t>Here we disclosed the data to showing if the substances involved in overdose deaths shift during the pandemic.</a:t>
+            </a:r>
+          </a:p>
+          <a:p>
+            <a:endParaRPr lang="en-US" dirty="0"/>
+          </a:p>
+          <a:p>
+            <a:endParaRPr lang="en-US" dirty="0"/>
+          </a:p>
+          <a:p>
+            <a:r>
+              <a:rPr lang="en-US" dirty="0"/>
+              <a:t>If so the synthetic drugs, such as fentanyl, play in post –COVID overdose rates.</a:t>
+            </a:r>
+          </a:p>
+        </p:txBody>
+      </p:sp>
+    </p:spTree>
+    <p:extLst>
+      <p:ext uri="{BB962C8B-B14F-4D97-AF65-F5344CB8AC3E}">
+        <p14:creationId xmlns:p14="http://schemas.microsoft.com/office/powerpoint/2010/main" val="3242618254"/>
+      </p:ext>
+    </p:extLst>
+  </p:cSld>
+  <p:clrMapOvr>
+    <a:masterClrMapping/>
+  </p:clrMapOvr>
+</p:sld>
+</file>
+
+<file path=ppt/slides/slide15.xml><?xml version="1.0" encoding="utf-8"?>
+<p:sld xmlns:a="http://schemas.openxmlformats.org/drawingml/2006/main" xmlns:r="http://schemas.openxmlformats.org/officeDocument/2006/relationships" xmlns:p="http://schemas.openxmlformats.org/presentationml/2006/main">
+  <p:cSld>
+    <p:spTree>
+      <p:nvGrpSpPr>
+        <p:cNvPr id="1" name=""/>
+        <p:cNvGrpSpPr/>
+        <p:nvPr/>
+      </p:nvGrpSpPr>
+      <p:grpSpPr>
+        <a:xfrm>
+          <a:off x="0" y="0"/>
+          <a:ext cx="0" cy="0"/>
+          <a:chOff x="0" y="0"/>
+          <a:chExt cx="0" cy="0"/>
+        </a:xfrm>
+      </p:grpSpPr>
+      <p:sp>
+        <p:nvSpPr>
+          <p:cNvPr id="2" name="Title 1"/>
+          <p:cNvSpPr>
+            <a:spLocks noGrp="1"/>
+          </p:cNvSpPr>
+          <p:nvPr>
+            <p:ph type="title"/>
+          </p:nvPr>
+        </p:nvSpPr>
+        <p:spPr/>
+        <p:txBody>
+          <a:bodyPr/>
+          <a:lstStyle/>
+          <a:p>
+            <a:r>
+              <a:rPr lang="en-US" dirty="0"/>
+              <a:t>Correlations with Pandemic Factors:</a:t>
+            </a:r>
+          </a:p>
+        </p:txBody>
+      </p:sp>
+      <p:sp>
+        <p:nvSpPr>
+          <p:cNvPr id="3" name="Content Placeholder 2"/>
+          <p:cNvSpPr>
+            <a:spLocks noGrp="1"/>
+          </p:cNvSpPr>
+          <p:nvPr>
+            <p:ph idx="1"/>
+          </p:nvPr>
+        </p:nvSpPr>
+        <p:spPr/>
+        <p:txBody>
+          <a:bodyPr/>
+          <a:lstStyle/>
+          <a:p>
+            <a:r>
+              <a:rPr lang="en-US" dirty="0"/>
               <a:t>Here we discuss overdose death trends correlated with pandemic – related factors such as-.</a:t>
             </a:r>
           </a:p>
@@ -16852,7 +17059,7 @@
 </p:sld>
 </file>
 
-<file path=ppt/slides/slide15.xml><?xml version="1.0" encoding="utf-8"?>
+<file path=ppt/slides/slide16.xml><?xml version="1.0" encoding="utf-8"?>
 <p:sld xmlns:a="http://schemas.openxmlformats.org/drawingml/2006/main" xmlns:r="http://schemas.openxmlformats.org/officeDocument/2006/relationships" xmlns:p="http://schemas.openxmlformats.org/presentationml/2006/main">
   <p:cSld>
     <p:spTree>
@@ -17958,28 +18165,45 @@
           <a:bodyPr/>
           <a:lstStyle/>
           <a:p>
-            <a:pPr marL="342900" indent="-342900">
+            <a:pPr marL="342900" indent="-342900" algn="l">
               <a:buAutoNum type="arabicPeriod"/>
             </a:pPr>
             <a:r>
               <a:rPr lang="en-US" dirty="0"/>
-              <a:t>In the section we will show how drug overdose death rates change before and after the COVID-19 pandemic.</a:t>
+              <a:t>How did drug overdose death rates change before and after the COVID-19 pandemic?</a:t>
             </a:r>
           </a:p>
           <a:p>
-            <a:endParaRPr lang="en-US" dirty="0"/>
-          </a:p>
-          <a:p>
-            <a:endParaRPr lang="en-US" dirty="0"/>
-          </a:p>
-          <a:p>
+            <a:pPr marL="800100" lvl="1" indent="-342900" algn="l">
+              <a:buFont typeface="Arial" panose="020B0604020202020204" pitchFamily="34" charset="0"/>
+              <a:buChar char="•"/>
+            </a:pPr>
             <a:r>
               <a:rPr lang="en-US" dirty="0"/>
-              <a:t>2.Disclosing the specific time period during the pandemic where overdose death peaked.</a:t>
+              <a:t>Overdose trends show a consistent rise across all drugs except heroin until 2023. In 2024, overdose deaths dropped by over 50%.</a:t>
             </a:r>
           </a:p>
           <a:p>
-            <a:pPr marL="342900" indent="-342900">
+            <a:pPr marL="342900" indent="-342900" algn="l">
+              <a:buAutoNum type="arabicPeriod"/>
+            </a:pPr>
+            <a:r>
+              <a:rPr lang="en-US" dirty="0"/>
+              <a:t>Were there specific time periods during (or immediately following) the pandemic where overdose deaths peaked?</a:t>
+            </a:r>
+          </a:p>
+          <a:p>
+            <a:pPr marL="800100" lvl="1" indent="-342900" algn="l">
+              <a:buFont typeface="Arial" panose="020B0604020202020204" pitchFamily="34" charset="0"/>
+              <a:buChar char="•"/>
+            </a:pPr>
+            <a:r>
+              <a:rPr lang="en-US" dirty="0"/>
+              <a:t>Overdose deaths peaked in 2023, followed by a drastic decline in 2024.</a:t>
+            </a:r>
+          </a:p>
+          <a:p>
+            <a:pPr marL="342900" indent="-342900" algn="l">
               <a:buAutoNum type="arabicPeriod"/>
             </a:pPr>
             <a:endParaRPr lang="en-US" dirty="0"/>
@@ -18016,76 +18240,184 @@
           <a:chExt cx="0" cy="0"/>
         </a:xfrm>
       </p:grpSpPr>
-      <p:sp>
-        <p:nvSpPr>
-          <p:cNvPr id="2" name="Title 1"/>
-          <p:cNvSpPr>
-            <a:spLocks noGrp="1"/>
-          </p:cNvSpPr>
-          <p:nvPr>
-            <p:ph type="title"/>
-          </p:nvPr>
-        </p:nvSpPr>
-        <p:spPr/>
-        <p:txBody>
-          <a:bodyPr/>
-          <a:lstStyle/>
-          <a:p>
-            <a:r>
-              <a:rPr lang="en-US" dirty="0"/>
-              <a:t>Geographic Analysis:</a:t>
-            </a:r>
-            <a:br>
-              <a:rPr lang="en-US" dirty="0"/>
-            </a:br>
-            <a:endParaRPr lang="en-US" dirty="0"/>
-          </a:p>
-        </p:txBody>
-      </p:sp>
-      <p:sp>
-        <p:nvSpPr>
-          <p:cNvPr id="3" name="Content Placeholder 2"/>
-          <p:cNvSpPr>
-            <a:spLocks noGrp="1"/>
-          </p:cNvSpPr>
-          <p:nvPr>
-            <p:ph idx="1"/>
-          </p:nvPr>
-        </p:nvSpPr>
-        <p:spPr/>
-        <p:txBody>
-          <a:bodyPr/>
-          <a:lstStyle/>
-          <a:p>
-            <a:r>
-              <a:rPr lang="en-US" dirty="0"/>
-              <a:t>1.In this section we will differentiate the states or regions that experienced the highest increases in overdose deaths post-COVID.</a:t>
-            </a:r>
-          </a:p>
-          <a:p>
-            <a:endParaRPr lang="en-US" dirty="0"/>
-          </a:p>
-          <a:p>
-            <a:endParaRPr lang="en-US" dirty="0"/>
-          </a:p>
-          <a:p>
-            <a:endParaRPr lang="en-US" dirty="0"/>
-          </a:p>
-          <a:p>
-            <a:r>
-              <a:rPr lang="en-US" dirty="0"/>
-              <a:t>2.Continuing analysis to see if there are any geographic patterns associated with changes in overdose rates.</a:t>
-            </a:r>
-          </a:p>
-          <a:p>
-            <a:endParaRPr lang="en-US" dirty="0"/>
-          </a:p>
-        </p:txBody>
-      </p:sp>
+      <p:pic>
+        <p:nvPicPr>
+          <p:cNvPr id="2" name="Picture 1">
+            <a:extLst>
+              <a:ext uri="{FF2B5EF4-FFF2-40B4-BE49-F238E27FC236}">
+                <a16:creationId xmlns:a16="http://schemas.microsoft.com/office/drawing/2014/main" id="{15D3321B-C5FA-5AEF-6FE8-88B09A06A1B2}"/>
+              </a:ext>
+            </a:extLst>
+          </p:cNvPr>
+          <p:cNvPicPr>
+            <a:picLocks noChangeAspect="1"/>
+          </p:cNvPicPr>
+          <p:nvPr/>
+        </p:nvPicPr>
+        <p:blipFill>
+          <a:blip r:embed="rId3"/>
+          <a:srcRect l="32113"/>
+          <a:stretch/>
+        </p:blipFill>
+        <p:spPr>
+          <a:xfrm>
+            <a:off x="7892145" y="4479713"/>
+            <a:ext cx="4287232" cy="2377440"/>
+          </a:xfrm>
+          <a:prstGeom prst="rect">
+            <a:avLst/>
+          </a:prstGeom>
+        </p:spPr>
+      </p:pic>
+      <p:pic>
+        <p:nvPicPr>
+          <p:cNvPr id="3" name="Picture 2">
+            <a:extLst>
+              <a:ext uri="{FF2B5EF4-FFF2-40B4-BE49-F238E27FC236}">
+                <a16:creationId xmlns:a16="http://schemas.microsoft.com/office/drawing/2014/main" id="{E4C1A5A2-C796-52F5-88D6-43B4E3408739}"/>
+              </a:ext>
+            </a:extLst>
+          </p:cNvPr>
+          <p:cNvPicPr>
+            <a:picLocks noChangeAspect="1"/>
+          </p:cNvPicPr>
+          <p:nvPr/>
+        </p:nvPicPr>
+        <p:blipFill>
+          <a:blip r:embed="rId4"/>
+          <a:srcRect l="32488" r="1"/>
+          <a:stretch/>
+        </p:blipFill>
+        <p:spPr>
+          <a:xfrm>
+            <a:off x="2056582" y="7185"/>
+            <a:ext cx="4228353" cy="2377440"/>
+          </a:xfrm>
+          <a:prstGeom prst="rect">
+            <a:avLst/>
+          </a:prstGeom>
+        </p:spPr>
+      </p:pic>
+      <p:pic>
+        <p:nvPicPr>
+          <p:cNvPr id="4" name="Picture 3">
+            <a:extLst>
+              <a:ext uri="{FF2B5EF4-FFF2-40B4-BE49-F238E27FC236}">
+                <a16:creationId xmlns:a16="http://schemas.microsoft.com/office/drawing/2014/main" id="{44DC0622-C450-8306-2AA5-1F3265828268}"/>
+              </a:ext>
+            </a:extLst>
+          </p:cNvPr>
+          <p:cNvPicPr>
+            <a:picLocks noChangeAspect="1"/>
+          </p:cNvPicPr>
+          <p:nvPr/>
+        </p:nvPicPr>
+        <p:blipFill>
+          <a:blip r:embed="rId5"/>
+          <a:srcRect l="32329"/>
+          <a:stretch/>
+        </p:blipFill>
+        <p:spPr>
+          <a:xfrm>
+            <a:off x="5711" y="2090471"/>
+            <a:ext cx="4259039" cy="2377440"/>
+          </a:xfrm>
+          <a:prstGeom prst="rect">
+            <a:avLst/>
+          </a:prstGeom>
+        </p:spPr>
+      </p:pic>
+      <p:pic>
+        <p:nvPicPr>
+          <p:cNvPr id="5" name="Picture 4">
+            <a:extLst>
+              <a:ext uri="{FF2B5EF4-FFF2-40B4-BE49-F238E27FC236}">
+                <a16:creationId xmlns:a16="http://schemas.microsoft.com/office/drawing/2014/main" id="{C5434DBD-D497-73A2-0F91-5E87B5F0BC56}"/>
+              </a:ext>
+            </a:extLst>
+          </p:cNvPr>
+          <p:cNvPicPr>
+            <a:picLocks noChangeAspect="1"/>
+          </p:cNvPicPr>
+          <p:nvPr/>
+        </p:nvPicPr>
+        <p:blipFill>
+          <a:blip r:embed="rId6"/>
+          <a:srcRect l="30790"/>
+          <a:stretch/>
+        </p:blipFill>
+        <p:spPr>
+          <a:xfrm>
+            <a:off x="6335482" y="2090471"/>
+            <a:ext cx="4573438" cy="2377440"/>
+          </a:xfrm>
+          <a:prstGeom prst="rect">
+            <a:avLst/>
+          </a:prstGeom>
+        </p:spPr>
+      </p:pic>
+      <p:pic>
+        <p:nvPicPr>
+          <p:cNvPr id="6" name="Picture 5">
+            <a:extLst>
+              <a:ext uri="{FF2B5EF4-FFF2-40B4-BE49-F238E27FC236}">
+                <a16:creationId xmlns:a16="http://schemas.microsoft.com/office/drawing/2014/main" id="{81DAED1E-3DEC-36C0-85F3-82127877831D}"/>
+              </a:ext>
+            </a:extLst>
+          </p:cNvPr>
+          <p:cNvPicPr>
+            <a:picLocks noChangeAspect="1"/>
+          </p:cNvPicPr>
+          <p:nvPr/>
+        </p:nvPicPr>
+        <p:blipFill>
+          <a:blip r:embed="rId7"/>
+          <a:srcRect l="30469"/>
+          <a:stretch/>
+        </p:blipFill>
+        <p:spPr>
+          <a:xfrm>
+            <a:off x="1870571" y="4475001"/>
+            <a:ext cx="4600373" cy="2377440"/>
+          </a:xfrm>
+          <a:prstGeom prst="rect">
+            <a:avLst/>
+          </a:prstGeom>
+        </p:spPr>
+      </p:pic>
+      <p:pic>
+        <p:nvPicPr>
+          <p:cNvPr id="7" name="Picture 6">
+            <a:extLst>
+              <a:ext uri="{FF2B5EF4-FFF2-40B4-BE49-F238E27FC236}">
+                <a16:creationId xmlns:a16="http://schemas.microsoft.com/office/drawing/2014/main" id="{2CC9EE03-B22B-861D-77E4-083E47C0F72D}"/>
+              </a:ext>
+            </a:extLst>
+          </p:cNvPr>
+          <p:cNvPicPr>
+            <a:picLocks noChangeAspect="1"/>
+          </p:cNvPicPr>
+          <p:nvPr/>
+        </p:nvPicPr>
+        <p:blipFill>
+          <a:blip r:embed="rId8"/>
+          <a:srcRect l="32405"/>
+          <a:stretch/>
+        </p:blipFill>
+        <p:spPr>
+          <a:xfrm>
+            <a:off x="7946572" y="7184"/>
+            <a:ext cx="4236736" cy="2377440"/>
+          </a:xfrm>
+          <a:prstGeom prst="rect">
+            <a:avLst/>
+          </a:prstGeom>
+        </p:spPr>
+      </p:pic>
     </p:spTree>
     <p:extLst>
       <p:ext uri="{BB962C8B-B14F-4D97-AF65-F5344CB8AC3E}">
-        <p14:creationId xmlns:p14="http://schemas.microsoft.com/office/powerpoint/2010/main" val="1014940091"/>
+        <p14:creationId xmlns:p14="http://schemas.microsoft.com/office/powerpoint/2010/main" val="2575480703"/>
       </p:ext>
     </p:extLst>
   </p:cSld>
@@ -18114,13 +18446,7 @@
       </p:grpSpPr>
       <p:sp>
         <p:nvSpPr>
-          <p:cNvPr id="2" name="Title 1">
-            <a:extLst>
-              <a:ext uri="{FF2B5EF4-FFF2-40B4-BE49-F238E27FC236}">
-                <a16:creationId xmlns:a16="http://schemas.microsoft.com/office/drawing/2014/main" id="{8C239A8F-C19B-3165-8A1A-D601B34DAA40}"/>
-              </a:ext>
-            </a:extLst>
-          </p:cNvPr>
+          <p:cNvPr id="2" name="Title 1"/>
           <p:cNvSpPr>
             <a:spLocks noGrp="1"/>
           </p:cNvSpPr>
@@ -18135,20 +18461,18 @@
           <a:p>
             <a:r>
               <a:rPr lang="en-US" dirty="0"/>
-              <a:t>Geographic Analysis Visual</a:t>
+              <a:t>Geographic Analysis:</a:t>
             </a:r>
+            <a:br>
+              <a:rPr lang="en-US" dirty="0"/>
+            </a:br>
+            <a:endParaRPr lang="en-US" dirty="0"/>
           </a:p>
         </p:txBody>
       </p:sp>
       <p:sp>
         <p:nvSpPr>
-          <p:cNvPr id="3" name="Content Placeholder 2">
-            <a:extLst>
-              <a:ext uri="{FF2B5EF4-FFF2-40B4-BE49-F238E27FC236}">
-                <a16:creationId xmlns:a16="http://schemas.microsoft.com/office/drawing/2014/main" id="{C0E4DE4C-29EB-D2D9-8862-D945C8FF8B03}"/>
-              </a:ext>
-            </a:extLst>
-          </p:cNvPr>
+          <p:cNvPr id="3" name="Content Placeholder 2"/>
           <p:cNvSpPr>
             <a:spLocks noGrp="1"/>
           </p:cNvSpPr>
@@ -18162,52 +18486,34 @@
           <a:lstStyle/>
           <a:p>
             <a:r>
-              <a:rPr lang="en-US" dirty="0">
-                <a:hlinkClick r:id="rId3"/>
-              </a:rPr>
-              <a:t>http://localhost:8963/lab/tree/OneDrive/Documents/interactive_map.html</a:t>
+              <a:rPr lang="en-US" dirty="0"/>
+              <a:t>1.In this section we will differentiate the states or regions that experienced the highest increases in overdose deaths post-COVID.</a:t>
             </a:r>
+          </a:p>
+          <a:p>
             <a:endParaRPr lang="en-US" dirty="0"/>
+          </a:p>
+          <a:p>
+            <a:endParaRPr lang="en-US" dirty="0"/>
+          </a:p>
+          <a:p>
+            <a:endParaRPr lang="en-US" dirty="0"/>
+          </a:p>
+          <a:p>
+            <a:r>
+              <a:rPr lang="en-US" dirty="0"/>
+              <a:t>2.Continuing analysis to see if there are any geographic patterns associated with changes in overdose rates.</a:t>
+            </a:r>
           </a:p>
           <a:p>
             <a:endParaRPr lang="en-US" dirty="0"/>
           </a:p>
         </p:txBody>
       </p:sp>
-      <p:pic>
-        <p:nvPicPr>
-          <p:cNvPr id="5" name="Picture 4">
-            <a:extLst>
-              <a:ext uri="{FF2B5EF4-FFF2-40B4-BE49-F238E27FC236}">
-                <a16:creationId xmlns:a16="http://schemas.microsoft.com/office/drawing/2014/main" id="{7BEDE97B-C707-4276-6FB5-F17F9929786C}"/>
-              </a:ext>
-            </a:extLst>
-          </p:cNvPr>
-          <p:cNvPicPr>
-            <a:picLocks noChangeAspect="1"/>
-          </p:cNvPicPr>
-          <p:nvPr/>
-        </p:nvPicPr>
-        <p:blipFill>
-          <a:blip r:embed="rId4"/>
-          <a:stretch>
-            <a:fillRect/>
-          </a:stretch>
-        </p:blipFill>
-        <p:spPr>
-          <a:xfrm>
-            <a:off x="1167318" y="2643271"/>
-            <a:ext cx="6488349" cy="3856518"/>
-          </a:xfrm>
-          <a:prstGeom prst="rect">
-            <a:avLst/>
-          </a:prstGeom>
-        </p:spPr>
-      </p:pic>
     </p:spTree>
     <p:extLst>
       <p:ext uri="{BB962C8B-B14F-4D97-AF65-F5344CB8AC3E}">
-        <p14:creationId xmlns:p14="http://schemas.microsoft.com/office/powerpoint/2010/main" val="969447734"/>
+        <p14:creationId xmlns:p14="http://schemas.microsoft.com/office/powerpoint/2010/main" val="1014940091"/>
       </p:ext>
     </p:extLst>
   </p:cSld>
